--- a/Apresentacao.pptx
+++ b/Apresentacao.pptx
@@ -350,7 +350,7 @@
             <a:fld id="{B61BEF0D-F0BB-DE4B-95CE-6DB70DBA9567}" type="datetimeFigureOut">
               <a:rPr lang="en-US" dirty="0"/>
               <a:pPr/>
-              <a:t>06-Jul-16</a:t>
+              <a:t>07-Jul-16</a:t>
             </a:fld>
             <a:endParaRPr lang="en-US" dirty="0"/>
           </a:p>
@@ -681,7 +681,7 @@
             <a:fld id="{B61BEF0D-F0BB-DE4B-95CE-6DB70DBA9567}" type="datetimeFigureOut">
               <a:rPr lang="en-US" dirty="0"/>
               <a:pPr/>
-              <a:t>06-Jul-16</a:t>
+              <a:t>07-Jul-16</a:t>
             </a:fld>
             <a:endParaRPr lang="en-US" dirty="0"/>
           </a:p>
@@ -956,7 +956,7 @@
             <a:fld id="{B61BEF0D-F0BB-DE4B-95CE-6DB70DBA9567}" type="datetimeFigureOut">
               <a:rPr lang="en-US" dirty="0"/>
               <a:pPr/>
-              <a:t>06-Jul-16</a:t>
+              <a:t>07-Jul-16</a:t>
             </a:fld>
             <a:endParaRPr lang="en-US" dirty="0"/>
           </a:p>
@@ -1521,7 +1521,7 @@
             <a:fld id="{B61BEF0D-F0BB-DE4B-95CE-6DB70DBA9567}" type="datetimeFigureOut">
               <a:rPr lang="en-US" dirty="0"/>
               <a:pPr/>
-              <a:t>06-Jul-16</a:t>
+              <a:t>07-Jul-16</a:t>
             </a:fld>
             <a:endParaRPr lang="en-US" dirty="0"/>
           </a:p>
@@ -1796,7 +1796,7 @@
             <a:fld id="{B61BEF0D-F0BB-DE4B-95CE-6DB70DBA9567}" type="datetimeFigureOut">
               <a:rPr lang="en-US" dirty="0"/>
               <a:pPr/>
-              <a:t>06-Jul-16</a:t>
+              <a:t>07-Jul-16</a:t>
             </a:fld>
             <a:endParaRPr lang="en-US" dirty="0"/>
           </a:p>
@@ -2355,7 +2355,7 @@
             <a:fld id="{B61BEF0D-F0BB-DE4B-95CE-6DB70DBA9567}" type="datetimeFigureOut">
               <a:rPr lang="en-US" dirty="0"/>
               <a:pPr/>
-              <a:t>06-Jul-16</a:t>
+              <a:t>07-Jul-16</a:t>
             </a:fld>
             <a:endParaRPr lang="en-US" dirty="0"/>
           </a:p>
@@ -2679,7 +2679,7 @@
             <a:fld id="{B61BEF0D-F0BB-DE4B-95CE-6DB70DBA9567}" type="datetimeFigureOut">
               <a:rPr lang="en-US" dirty="0"/>
               <a:pPr/>
-              <a:t>06-Jul-16</a:t>
+              <a:t>07-Jul-16</a:t>
             </a:fld>
             <a:endParaRPr lang="en-US" dirty="0"/>
           </a:p>
@@ -2853,7 +2853,7 @@
             <a:fld id="{B61BEF0D-F0BB-DE4B-95CE-6DB70DBA9567}" type="datetimeFigureOut">
               <a:rPr lang="en-US" dirty="0"/>
               <a:pPr/>
-              <a:t>06-Jul-16</a:t>
+              <a:t>07-Jul-16</a:t>
             </a:fld>
             <a:endParaRPr lang="en-US" dirty="0"/>
           </a:p>
@@ -3088,7 +3088,7 @@
             <a:fld id="{B61BEF0D-F0BB-DE4B-95CE-6DB70DBA9567}" type="datetimeFigureOut">
               <a:rPr lang="en-US" dirty="0"/>
               <a:pPr/>
-              <a:t>06-Jul-16</a:t>
+              <a:t>07-Jul-16</a:t>
             </a:fld>
             <a:endParaRPr lang="en-US" dirty="0"/>
           </a:p>
@@ -3285,7 +3285,7 @@
             <a:fld id="{B61BEF0D-F0BB-DE4B-95CE-6DB70DBA9567}" type="datetimeFigureOut">
               <a:rPr lang="en-US" dirty="0"/>
               <a:pPr/>
-              <a:t>06-Jul-16</a:t>
+              <a:t>07-Jul-16</a:t>
             </a:fld>
             <a:endParaRPr lang="en-US" dirty="0"/>
           </a:p>
@@ -3558,7 +3558,7 @@
             <a:fld id="{B61BEF0D-F0BB-DE4B-95CE-6DB70DBA9567}" type="datetimeFigureOut">
               <a:rPr lang="en-US" dirty="0"/>
               <a:pPr/>
-              <a:t>06-Jul-16</a:t>
+              <a:t>07-Jul-16</a:t>
             </a:fld>
             <a:endParaRPr lang="en-US" dirty="0"/>
           </a:p>
@@ -3821,7 +3821,7 @@
             <a:fld id="{B61BEF0D-F0BB-DE4B-95CE-6DB70DBA9567}" type="datetimeFigureOut">
               <a:rPr lang="en-US" dirty="0"/>
               <a:pPr/>
-              <a:t>06-Jul-16</a:t>
+              <a:t>07-Jul-16</a:t>
             </a:fld>
             <a:endParaRPr lang="en-US" dirty="0"/>
           </a:p>
@@ -4192,7 +4192,7 @@
             <a:fld id="{B61BEF0D-F0BB-DE4B-95CE-6DB70DBA9567}" type="datetimeFigureOut">
               <a:rPr lang="en-US" dirty="0"/>
               <a:pPr/>
-              <a:t>06-Jul-16</a:t>
+              <a:t>07-Jul-16</a:t>
             </a:fld>
             <a:endParaRPr lang="en-US" dirty="0"/>
           </a:p>
@@ -4337,7 +4337,7 @@
             <a:fld id="{B61BEF0D-F0BB-DE4B-95CE-6DB70DBA9567}" type="datetimeFigureOut">
               <a:rPr lang="en-US" dirty="0"/>
               <a:pPr/>
-              <a:t>06-Jul-16</a:t>
+              <a:t>07-Jul-16</a:t>
             </a:fld>
             <a:endParaRPr lang="en-US" dirty="0"/>
           </a:p>
@@ -4459,7 +4459,7 @@
             <a:fld id="{B61BEF0D-F0BB-DE4B-95CE-6DB70DBA9567}" type="datetimeFigureOut">
               <a:rPr lang="en-US" dirty="0"/>
               <a:pPr/>
-              <a:t>06-Jul-16</a:t>
+              <a:t>07-Jul-16</a:t>
             </a:fld>
             <a:endParaRPr lang="en-US" dirty="0"/>
           </a:p>
@@ -4741,7 +4741,7 @@
             <a:fld id="{B61BEF0D-F0BB-DE4B-95CE-6DB70DBA9567}" type="datetimeFigureOut">
               <a:rPr lang="en-US" dirty="0"/>
               <a:pPr/>
-              <a:t>06-Jul-16</a:t>
+              <a:t>07-Jul-16</a:t>
             </a:fld>
             <a:endParaRPr lang="en-US" dirty="0"/>
           </a:p>
@@ -5062,7 +5062,7 @@
             <a:fld id="{B61BEF0D-F0BB-DE4B-95CE-6DB70DBA9567}" type="datetimeFigureOut">
               <a:rPr lang="en-US" dirty="0"/>
               <a:pPr/>
-              <a:t>06-Jul-16</a:t>
+              <a:t>07-Jul-16</a:t>
             </a:fld>
             <a:endParaRPr lang="en-US" dirty="0"/>
           </a:p>
@@ -5273,7 +5273,7 @@
             <a:fld id="{B61BEF0D-F0BB-DE4B-95CE-6DB70DBA9567}" type="datetimeFigureOut">
               <a:rPr lang="en-US" dirty="0"/>
               <a:pPr/>
-              <a:t>06-Jul-16</a:t>
+              <a:t>07-Jul-16</a:t>
             </a:fld>
             <a:endParaRPr lang="en-US" dirty="0"/>
           </a:p>
@@ -5943,7 +5943,15 @@
           <a:p>
             <a:r>
               <a:rPr lang="pt-BR" dirty="0" smtClean="0"/>
-              <a:t>Estudo desenvolvido com o objetivo de simular a movimentação de células em tecido celular contaminado com algum vírus afim de se observar como que variáveis, como tamanho da célula, tamanho do vírus, número de células por área quadrada, etc. podem influenciar no isolamento espacial desse vírus em relação as outras células.</a:t>
+              <a:t>Estudo desenvolvido com o objetivo de simular a movimentação de células em tecido celular contaminado com algum vírus afim de se observar </a:t>
+            </a:r>
+            <a:r>
+              <a:rPr lang="pt-BR" dirty="0" smtClean="0"/>
+              <a:t>a correlação de variáveis</a:t>
+            </a:r>
+            <a:r>
+              <a:rPr lang="pt-BR" dirty="0" smtClean="0"/>
+              <a:t>, como tamanho da célula, tamanho do vírus, número de células por área quadrada, etc. podem influenciar no isolamento espacial desse vírus em relação as outras células.</a:t>
             </a:r>
             <a:endParaRPr lang="pt-BR" dirty="0"/>
           </a:p>
@@ -6104,7 +6112,7 @@
         </p:nvSpPr>
         <p:spPr/>
         <p:txBody>
-          <a:bodyPr/>
+          <a:bodyPr anchor="t"/>
           <a:lstStyle/>
           <a:p>
             <a:r>
